--- a/BlazorDemo/BlazorDemo/presentation/ASP.pptx
+++ b/BlazorDemo/BlazorDemo/presentation/ASP.pptx
@@ -23,6 +23,7 @@
     <p:sldId id="271" r:id="rId17"/>
     <p:sldId id="273" r:id="rId18"/>
     <p:sldId id="272" r:id="rId19"/>
+    <p:sldId id="274" r:id="rId20"/>
   </p:sldIdLst>
   <p:sldSz cx="12192000" cy="6858000"/>
   <p:notesSz cx="6858000" cy="9144000"/>
@@ -121,6 +122,11 @@
       </a:defRPr>
     </a:lvl9pPr>
   </p:defaultTextStyle>
+  <p:extLst>
+    <p:ext uri="{EFAFB233-063F-42B5-8137-9DF3F51BA10A}">
+      <p15:sldGuideLst xmlns:p15="http://schemas.microsoft.com/office/powerpoint/2012/main"/>
+    </p:ext>
+  </p:extLst>
 </p:presentation>
 </file>
 
@@ -271,7 +277,7 @@
           <a:p>
             <a:fld id="{5E8FFF51-1F21-4021-8F6D-94DA76CCD317}" type="datetimeFigureOut">
               <a:rPr lang="en-US" smtClean="0"/>
-              <a:t>6/30/2023</a:t>
+              <a:t>7/2/2023</a:t>
             </a:fld>
             <a:endParaRPr lang="en-US"/>
           </a:p>
@@ -469,7 +475,7 @@
           <a:p>
             <a:fld id="{5E8FFF51-1F21-4021-8F6D-94DA76CCD317}" type="datetimeFigureOut">
               <a:rPr lang="en-US" smtClean="0"/>
-              <a:t>6/30/2023</a:t>
+              <a:t>7/2/2023</a:t>
             </a:fld>
             <a:endParaRPr lang="en-US"/>
           </a:p>
@@ -677,7 +683,7 @@
           <a:p>
             <a:fld id="{5E8FFF51-1F21-4021-8F6D-94DA76CCD317}" type="datetimeFigureOut">
               <a:rPr lang="en-US" smtClean="0"/>
-              <a:t>6/30/2023</a:t>
+              <a:t>7/2/2023</a:t>
             </a:fld>
             <a:endParaRPr lang="en-US"/>
           </a:p>
@@ -875,7 +881,7 @@
           <a:p>
             <a:fld id="{5E8FFF51-1F21-4021-8F6D-94DA76CCD317}" type="datetimeFigureOut">
               <a:rPr lang="en-US" smtClean="0"/>
-              <a:t>6/30/2023</a:t>
+              <a:t>7/2/2023</a:t>
             </a:fld>
             <a:endParaRPr lang="en-US"/>
           </a:p>
@@ -1150,7 +1156,7 @@
           <a:p>
             <a:fld id="{5E8FFF51-1F21-4021-8F6D-94DA76CCD317}" type="datetimeFigureOut">
               <a:rPr lang="en-US" smtClean="0"/>
-              <a:t>6/30/2023</a:t>
+              <a:t>7/2/2023</a:t>
             </a:fld>
             <a:endParaRPr lang="en-US"/>
           </a:p>
@@ -1415,7 +1421,7 @@
           <a:p>
             <a:fld id="{5E8FFF51-1F21-4021-8F6D-94DA76CCD317}" type="datetimeFigureOut">
               <a:rPr lang="en-US" smtClean="0"/>
-              <a:t>6/30/2023</a:t>
+              <a:t>7/2/2023</a:t>
             </a:fld>
             <a:endParaRPr lang="en-US"/>
           </a:p>
@@ -1827,7 +1833,7 @@
           <a:p>
             <a:fld id="{5E8FFF51-1F21-4021-8F6D-94DA76CCD317}" type="datetimeFigureOut">
               <a:rPr lang="en-US" smtClean="0"/>
-              <a:t>6/30/2023</a:t>
+              <a:t>7/2/2023</a:t>
             </a:fld>
             <a:endParaRPr lang="en-US"/>
           </a:p>
@@ -1968,7 +1974,7 @@
           <a:p>
             <a:fld id="{5E8FFF51-1F21-4021-8F6D-94DA76CCD317}" type="datetimeFigureOut">
               <a:rPr lang="en-US" smtClean="0"/>
-              <a:t>6/30/2023</a:t>
+              <a:t>7/2/2023</a:t>
             </a:fld>
             <a:endParaRPr lang="en-US"/>
           </a:p>
@@ -2081,7 +2087,7 @@
           <a:p>
             <a:fld id="{5E8FFF51-1F21-4021-8F6D-94DA76CCD317}" type="datetimeFigureOut">
               <a:rPr lang="en-US" smtClean="0"/>
-              <a:t>6/30/2023</a:t>
+              <a:t>7/2/2023</a:t>
             </a:fld>
             <a:endParaRPr lang="en-US"/>
           </a:p>
@@ -2392,7 +2398,7 @@
           <a:p>
             <a:fld id="{5E8FFF51-1F21-4021-8F6D-94DA76CCD317}" type="datetimeFigureOut">
               <a:rPr lang="en-US" smtClean="0"/>
-              <a:t>6/30/2023</a:t>
+              <a:t>7/2/2023</a:t>
             </a:fld>
             <a:endParaRPr lang="en-US"/>
           </a:p>
@@ -2680,7 +2686,7 @@
           <a:p>
             <a:fld id="{5E8FFF51-1F21-4021-8F6D-94DA76CCD317}" type="datetimeFigureOut">
               <a:rPr lang="en-US" smtClean="0"/>
-              <a:t>6/30/2023</a:t>
+              <a:t>7/2/2023</a:t>
             </a:fld>
             <a:endParaRPr lang="en-US"/>
           </a:p>
@@ -2921,7 +2927,7 @@
           <a:p>
             <a:fld id="{5E8FFF51-1F21-4021-8F6D-94DA76CCD317}" type="datetimeFigureOut">
               <a:rPr lang="en-US" smtClean="0"/>
-              <a:t>6/30/2023</a:t>
+              <a:t>7/2/2023</a:t>
             </a:fld>
             <a:endParaRPr lang="en-US"/>
           </a:p>
@@ -4250,7 +4256,16 @@
           <a:bodyPr/>
           <a:lstStyle/>
           <a:p>
-            <a:endParaRPr lang="en-US"/>
+            <a:r>
+              <a:rPr lang="en-US" dirty="0"/>
+              <a:t>A way to flow data down a component hierarchy </a:t>
+            </a:r>
+          </a:p>
+          <a:p>
+            <a:r>
+              <a:rPr lang="en-US" dirty="0"/>
+              <a:t>Similar to component parameter </a:t>
+            </a:r>
           </a:p>
         </p:txBody>
       </p:sp>
@@ -4258,6 +4273,93 @@
     <p:extLst>
       <p:ext uri="{BB962C8B-B14F-4D97-AF65-F5344CB8AC3E}">
         <p14:creationId xmlns:p14="http://schemas.microsoft.com/office/powerpoint/2010/main" val="1752708950"/>
+      </p:ext>
+    </p:extLst>
+  </p:cSld>
+  <p:clrMapOvr>
+    <a:masterClrMapping/>
+  </p:clrMapOvr>
+</p:sld>
+</file>
+
+<file path=ppt/slides/slide19.xml><?xml version="1.0" encoding="utf-8"?>
+<p:sld xmlns:a="http://schemas.openxmlformats.org/drawingml/2006/main" xmlns:r="http://schemas.openxmlformats.org/officeDocument/2006/relationships" xmlns:p="http://schemas.openxmlformats.org/presentationml/2006/main">
+  <p:cSld>
+    <p:spTree>
+      <p:nvGrpSpPr>
+        <p:cNvPr id="1" name=""/>
+        <p:cNvGrpSpPr/>
+        <p:nvPr/>
+      </p:nvGrpSpPr>
+      <p:grpSpPr>
+        <a:xfrm>
+          <a:off x="0" y="0"/>
+          <a:ext cx="0" cy="0"/>
+          <a:chOff x="0" y="0"/>
+          <a:chExt cx="0" cy="0"/>
+        </a:xfrm>
+      </p:grpSpPr>
+      <p:sp>
+        <p:nvSpPr>
+          <p:cNvPr id="2" name="Title 1">
+            <a:extLst>
+              <a:ext uri="{FF2B5EF4-FFF2-40B4-BE49-F238E27FC236}">
+                <a16:creationId xmlns:a16="http://schemas.microsoft.com/office/drawing/2014/main" id="{26828D16-1A62-B7F8-5B40-95C6F2AB962C}"/>
+              </a:ext>
+            </a:extLst>
+          </p:cNvPr>
+          <p:cNvSpPr>
+            <a:spLocks noGrp="1"/>
+          </p:cNvSpPr>
+          <p:nvPr>
+            <p:ph type="title"/>
+          </p:nvPr>
+        </p:nvSpPr>
+        <p:spPr/>
+        <p:txBody>
+          <a:bodyPr/>
+          <a:lstStyle/>
+          <a:p>
+            <a:r>
+              <a:rPr lang="en-AU" dirty="0"/>
+              <a:t>Sample Cascading parameter </a:t>
+            </a:r>
+            <a:r>
+              <a:rPr lang="en-AU"/>
+              <a:t>and value</a:t>
+            </a:r>
+          </a:p>
+        </p:txBody>
+      </p:sp>
+      <p:sp>
+        <p:nvSpPr>
+          <p:cNvPr id="3" name="Content Placeholder 2">
+            <a:extLst>
+              <a:ext uri="{FF2B5EF4-FFF2-40B4-BE49-F238E27FC236}">
+                <a16:creationId xmlns:a16="http://schemas.microsoft.com/office/drawing/2014/main" id="{A265E30A-1E43-6B83-ABAB-56DB3B80F7E3}"/>
+              </a:ext>
+            </a:extLst>
+          </p:cNvPr>
+          <p:cNvSpPr>
+            <a:spLocks noGrp="1"/>
+          </p:cNvSpPr>
+          <p:nvPr>
+            <p:ph idx="1"/>
+          </p:nvPr>
+        </p:nvSpPr>
+        <p:spPr/>
+        <p:txBody>
+          <a:bodyPr/>
+          <a:lstStyle/>
+          <a:p>
+            <a:endParaRPr lang="en-AU"/>
+          </a:p>
+        </p:txBody>
+      </p:sp>
+    </p:spTree>
+    <p:extLst>
+      <p:ext uri="{BB962C8B-B14F-4D97-AF65-F5344CB8AC3E}">
+        <p14:creationId xmlns:p14="http://schemas.microsoft.com/office/powerpoint/2010/main" val="3875309099"/>
       </p:ext>
     </p:extLst>
   </p:cSld>

--- a/BlazorDemo/BlazorDemo/presentation/ASP.pptx
+++ b/BlazorDemo/BlazorDemo/presentation/ASP.pptx
@@ -24,6 +24,8 @@
     <p:sldId id="273" r:id="rId18"/>
     <p:sldId id="272" r:id="rId19"/>
     <p:sldId id="274" r:id="rId20"/>
+    <p:sldId id="275" r:id="rId21"/>
+    <p:sldId id="276" r:id="rId22"/>
   </p:sldIdLst>
   <p:sldSz cx="12192000" cy="6858000"/>
   <p:notesSz cx="6858000" cy="9144000"/>
@@ -277,7 +279,7 @@
           <a:p>
             <a:fld id="{5E8FFF51-1F21-4021-8F6D-94DA76CCD317}" type="datetimeFigureOut">
               <a:rPr lang="en-US" smtClean="0"/>
-              <a:t>7/2/2023</a:t>
+              <a:t>7/3/2023</a:t>
             </a:fld>
             <a:endParaRPr lang="en-US"/>
           </a:p>
@@ -475,7 +477,7 @@
           <a:p>
             <a:fld id="{5E8FFF51-1F21-4021-8F6D-94DA76CCD317}" type="datetimeFigureOut">
               <a:rPr lang="en-US" smtClean="0"/>
-              <a:t>7/2/2023</a:t>
+              <a:t>7/3/2023</a:t>
             </a:fld>
             <a:endParaRPr lang="en-US"/>
           </a:p>
@@ -683,7 +685,7 @@
           <a:p>
             <a:fld id="{5E8FFF51-1F21-4021-8F6D-94DA76CCD317}" type="datetimeFigureOut">
               <a:rPr lang="en-US" smtClean="0"/>
-              <a:t>7/2/2023</a:t>
+              <a:t>7/3/2023</a:t>
             </a:fld>
             <a:endParaRPr lang="en-US"/>
           </a:p>
@@ -881,7 +883,7 @@
           <a:p>
             <a:fld id="{5E8FFF51-1F21-4021-8F6D-94DA76CCD317}" type="datetimeFigureOut">
               <a:rPr lang="en-US" smtClean="0"/>
-              <a:t>7/2/2023</a:t>
+              <a:t>7/3/2023</a:t>
             </a:fld>
             <a:endParaRPr lang="en-US"/>
           </a:p>
@@ -1156,7 +1158,7 @@
           <a:p>
             <a:fld id="{5E8FFF51-1F21-4021-8F6D-94DA76CCD317}" type="datetimeFigureOut">
               <a:rPr lang="en-US" smtClean="0"/>
-              <a:t>7/2/2023</a:t>
+              <a:t>7/3/2023</a:t>
             </a:fld>
             <a:endParaRPr lang="en-US"/>
           </a:p>
@@ -1421,7 +1423,7 @@
           <a:p>
             <a:fld id="{5E8FFF51-1F21-4021-8F6D-94DA76CCD317}" type="datetimeFigureOut">
               <a:rPr lang="en-US" smtClean="0"/>
-              <a:t>7/2/2023</a:t>
+              <a:t>7/3/2023</a:t>
             </a:fld>
             <a:endParaRPr lang="en-US"/>
           </a:p>
@@ -1833,7 +1835,7 @@
           <a:p>
             <a:fld id="{5E8FFF51-1F21-4021-8F6D-94DA76CCD317}" type="datetimeFigureOut">
               <a:rPr lang="en-US" smtClean="0"/>
-              <a:t>7/2/2023</a:t>
+              <a:t>7/3/2023</a:t>
             </a:fld>
             <a:endParaRPr lang="en-US"/>
           </a:p>
@@ -1974,7 +1976,7 @@
           <a:p>
             <a:fld id="{5E8FFF51-1F21-4021-8F6D-94DA76CCD317}" type="datetimeFigureOut">
               <a:rPr lang="en-US" smtClean="0"/>
-              <a:t>7/2/2023</a:t>
+              <a:t>7/3/2023</a:t>
             </a:fld>
             <a:endParaRPr lang="en-US"/>
           </a:p>
@@ -2087,7 +2089,7 @@
           <a:p>
             <a:fld id="{5E8FFF51-1F21-4021-8F6D-94DA76CCD317}" type="datetimeFigureOut">
               <a:rPr lang="en-US" smtClean="0"/>
-              <a:t>7/2/2023</a:t>
+              <a:t>7/3/2023</a:t>
             </a:fld>
             <a:endParaRPr lang="en-US"/>
           </a:p>
@@ -2398,7 +2400,7 @@
           <a:p>
             <a:fld id="{5E8FFF51-1F21-4021-8F6D-94DA76CCD317}" type="datetimeFigureOut">
               <a:rPr lang="en-US" smtClean="0"/>
-              <a:t>7/2/2023</a:t>
+              <a:t>7/3/2023</a:t>
             </a:fld>
             <a:endParaRPr lang="en-US"/>
           </a:p>
@@ -2686,7 +2688,7 @@
           <a:p>
             <a:fld id="{5E8FFF51-1F21-4021-8F6D-94DA76CCD317}" type="datetimeFigureOut">
               <a:rPr lang="en-US" smtClean="0"/>
-              <a:t>7/2/2023</a:t>
+              <a:t>7/3/2023</a:t>
             </a:fld>
             <a:endParaRPr lang="en-US"/>
           </a:p>
@@ -2927,7 +2929,7 @@
           <a:p>
             <a:fld id="{5E8FFF51-1F21-4021-8F6D-94DA76CCD317}" type="datetimeFigureOut">
               <a:rPr lang="en-US" smtClean="0"/>
-              <a:t>7/2/2023</a:t>
+              <a:t>7/3/2023</a:t>
             </a:fld>
             <a:endParaRPr lang="en-US"/>
           </a:p>
@@ -4488,6 +4490,173 @@
 </p:sld>
 </file>
 
+<file path=ppt/slides/slide20.xml><?xml version="1.0" encoding="utf-8"?>
+<p:sld xmlns:a="http://schemas.openxmlformats.org/drawingml/2006/main" xmlns:r="http://schemas.openxmlformats.org/officeDocument/2006/relationships" xmlns:p="http://schemas.openxmlformats.org/presentationml/2006/main">
+  <p:cSld>
+    <p:spTree>
+      <p:nvGrpSpPr>
+        <p:cNvPr id="1" name=""/>
+        <p:cNvGrpSpPr/>
+        <p:nvPr/>
+      </p:nvGrpSpPr>
+      <p:grpSpPr>
+        <a:xfrm>
+          <a:off x="0" y="0"/>
+          <a:ext cx="0" cy="0"/>
+          <a:chOff x="0" y="0"/>
+          <a:chExt cx="0" cy="0"/>
+        </a:xfrm>
+      </p:grpSpPr>
+      <p:sp>
+        <p:nvSpPr>
+          <p:cNvPr id="2" name="Title 1">
+            <a:extLst>
+              <a:ext uri="{FF2B5EF4-FFF2-40B4-BE49-F238E27FC236}">
+                <a16:creationId xmlns:a16="http://schemas.microsoft.com/office/drawing/2014/main" id="{9B2585A5-781E-8772-E5BE-B375B3B4C1C8}"/>
+              </a:ext>
+            </a:extLst>
+          </p:cNvPr>
+          <p:cNvSpPr>
+            <a:spLocks noGrp="1"/>
+          </p:cNvSpPr>
+          <p:nvPr>
+            <p:ph type="title"/>
+          </p:nvPr>
+        </p:nvSpPr>
+        <p:spPr/>
+        <p:txBody>
+          <a:bodyPr/>
+          <a:lstStyle/>
+          <a:p>
+            <a:r>
+              <a:rPr lang="en-US" altLang="zh-CN" dirty="0"/>
+              <a:t>Demo</a:t>
+            </a:r>
+            <a:endParaRPr lang="en-US" dirty="0"/>
+          </a:p>
+        </p:txBody>
+      </p:sp>
+      <p:sp>
+        <p:nvSpPr>
+          <p:cNvPr id="3" name="Text Placeholder 2">
+            <a:extLst>
+              <a:ext uri="{FF2B5EF4-FFF2-40B4-BE49-F238E27FC236}">
+                <a16:creationId xmlns:a16="http://schemas.microsoft.com/office/drawing/2014/main" id="{A154F807-08D0-9808-9FDB-075078A9ADF3}"/>
+              </a:ext>
+            </a:extLst>
+          </p:cNvPr>
+          <p:cNvSpPr>
+            <a:spLocks noGrp="1"/>
+          </p:cNvSpPr>
+          <p:nvPr>
+            <p:ph type="body" idx="1"/>
+          </p:nvPr>
+        </p:nvSpPr>
+        <p:spPr/>
+        <p:txBody>
+          <a:bodyPr/>
+          <a:lstStyle/>
+          <a:p>
+            <a:endParaRPr lang="en-US"/>
+          </a:p>
+        </p:txBody>
+      </p:sp>
+    </p:spTree>
+    <p:extLst>
+      <p:ext uri="{BB962C8B-B14F-4D97-AF65-F5344CB8AC3E}">
+        <p14:creationId xmlns:p14="http://schemas.microsoft.com/office/powerpoint/2010/main" val="973539659"/>
+      </p:ext>
+    </p:extLst>
+  </p:cSld>
+  <p:clrMapOvr>
+    <a:masterClrMapping/>
+  </p:clrMapOvr>
+</p:sld>
+</file>
+
+<file path=ppt/slides/slide21.xml><?xml version="1.0" encoding="utf-8"?>
+<p:sld xmlns:a="http://schemas.openxmlformats.org/drawingml/2006/main" xmlns:r="http://schemas.openxmlformats.org/officeDocument/2006/relationships" xmlns:p="http://schemas.openxmlformats.org/presentationml/2006/main">
+  <p:cSld>
+    <p:spTree>
+      <p:nvGrpSpPr>
+        <p:cNvPr id="1" name=""/>
+        <p:cNvGrpSpPr/>
+        <p:nvPr/>
+      </p:nvGrpSpPr>
+      <p:grpSpPr>
+        <a:xfrm>
+          <a:off x="0" y="0"/>
+          <a:ext cx="0" cy="0"/>
+          <a:chOff x="0" y="0"/>
+          <a:chExt cx="0" cy="0"/>
+        </a:xfrm>
+      </p:grpSpPr>
+      <p:sp>
+        <p:nvSpPr>
+          <p:cNvPr id="2" name="Title 1">
+            <a:extLst>
+              <a:ext uri="{FF2B5EF4-FFF2-40B4-BE49-F238E27FC236}">
+                <a16:creationId xmlns:a16="http://schemas.microsoft.com/office/drawing/2014/main" id="{5D8B6969-D692-37CB-6853-31A570D1EDA5}"/>
+              </a:ext>
+            </a:extLst>
+          </p:cNvPr>
+          <p:cNvSpPr>
+            <a:spLocks noGrp="1"/>
+          </p:cNvSpPr>
+          <p:nvPr>
+            <p:ph type="ctrTitle"/>
+          </p:nvPr>
+        </p:nvSpPr>
+        <p:spPr/>
+        <p:txBody>
+          <a:bodyPr/>
+          <a:lstStyle/>
+          <a:p>
+            <a:r>
+              <a:rPr lang="en-US"/>
+              <a:t>The End</a:t>
+            </a:r>
+          </a:p>
+        </p:txBody>
+      </p:sp>
+      <p:sp>
+        <p:nvSpPr>
+          <p:cNvPr id="3" name="Subtitle 2">
+            <a:extLst>
+              <a:ext uri="{FF2B5EF4-FFF2-40B4-BE49-F238E27FC236}">
+                <a16:creationId xmlns:a16="http://schemas.microsoft.com/office/drawing/2014/main" id="{56C07217-4591-F253-7BB5-A7FC6CA51F99}"/>
+              </a:ext>
+            </a:extLst>
+          </p:cNvPr>
+          <p:cNvSpPr>
+            <a:spLocks noGrp="1"/>
+          </p:cNvSpPr>
+          <p:nvPr>
+            <p:ph type="subTitle" idx="1"/>
+          </p:nvPr>
+        </p:nvSpPr>
+        <p:spPr/>
+        <p:txBody>
+          <a:bodyPr/>
+          <a:lstStyle/>
+          <a:p>
+            <a:endParaRPr lang="en-US"/>
+          </a:p>
+        </p:txBody>
+      </p:sp>
+    </p:spTree>
+    <p:extLst>
+      <p:ext uri="{BB962C8B-B14F-4D97-AF65-F5344CB8AC3E}">
+        <p14:creationId xmlns:p14="http://schemas.microsoft.com/office/powerpoint/2010/main" val="3922214365"/>
+      </p:ext>
+    </p:extLst>
+  </p:cSld>
+  <p:clrMapOvr>
+    <a:masterClrMapping/>
+  </p:clrMapOvr>
+</p:sld>
+</file>
+
 <file path=ppt/slides/slide3.xml><?xml version="1.0" encoding="utf-8"?>
 <p:sld xmlns:a="http://schemas.openxmlformats.org/drawingml/2006/main" xmlns:r="http://schemas.openxmlformats.org/officeDocument/2006/relationships" xmlns:p="http://schemas.openxmlformats.org/presentationml/2006/main">
   <p:cSld>

--- a/BlazorDemo/BlazorDemo/presentation/ASP.pptx
+++ b/BlazorDemo/BlazorDemo/presentation/ASP.pptx
@@ -125,6 +125,35 @@
     </a:lvl9pPr>
   </p:defaultTextStyle>
   <p:extLst>
+    <p:ext uri="{521415D9-36F7-43E2-AB2F-B90AF26B5E84}">
+      <p14:sectionLst xmlns:p14="http://schemas.microsoft.com/office/powerpoint/2010/main">
+        <p14:section name="Default Section" id="{AE9B6CB8-2A55-4270-B40A-760EFA89E32A}">
+          <p14:sldIdLst>
+            <p14:sldId id="256"/>
+            <p14:sldId id="257"/>
+            <p14:sldId id="259"/>
+            <p14:sldId id="258"/>
+            <p14:sldId id="260"/>
+            <p14:sldId id="261"/>
+            <p14:sldId id="262"/>
+            <p14:sldId id="263"/>
+            <p14:sldId id="264"/>
+            <p14:sldId id="266"/>
+            <p14:sldId id="265"/>
+            <p14:sldId id="267"/>
+            <p14:sldId id="268"/>
+            <p14:sldId id="270"/>
+            <p14:sldId id="269"/>
+            <p14:sldId id="271"/>
+            <p14:sldId id="273"/>
+            <p14:sldId id="272"/>
+            <p14:sldId id="274"/>
+            <p14:sldId id="275"/>
+            <p14:sldId id="276"/>
+          </p14:sldIdLst>
+        </p14:section>
+      </p14:sectionLst>
+    </p:ext>
     <p:ext uri="{EFAFB233-063F-42B5-8137-9DF3F51BA10A}">
       <p15:sldGuideLst xmlns:p15="http://schemas.microsoft.com/office/powerpoint/2012/main"/>
     </p:ext>
@@ -279,7 +308,7 @@
           <a:p>
             <a:fld id="{5E8FFF51-1F21-4021-8F6D-94DA76CCD317}" type="datetimeFigureOut">
               <a:rPr lang="en-US" smtClean="0"/>
-              <a:t>7/3/2023</a:t>
+              <a:t>7/5/2023</a:t>
             </a:fld>
             <a:endParaRPr lang="en-US"/>
           </a:p>
@@ -477,7 +506,7 @@
           <a:p>
             <a:fld id="{5E8FFF51-1F21-4021-8F6D-94DA76CCD317}" type="datetimeFigureOut">
               <a:rPr lang="en-US" smtClean="0"/>
-              <a:t>7/3/2023</a:t>
+              <a:t>7/5/2023</a:t>
             </a:fld>
             <a:endParaRPr lang="en-US"/>
           </a:p>
@@ -685,7 +714,7 @@
           <a:p>
             <a:fld id="{5E8FFF51-1F21-4021-8F6D-94DA76CCD317}" type="datetimeFigureOut">
               <a:rPr lang="en-US" smtClean="0"/>
-              <a:t>7/3/2023</a:t>
+              <a:t>7/5/2023</a:t>
             </a:fld>
             <a:endParaRPr lang="en-US"/>
           </a:p>
@@ -883,7 +912,7 @@
           <a:p>
             <a:fld id="{5E8FFF51-1F21-4021-8F6D-94DA76CCD317}" type="datetimeFigureOut">
               <a:rPr lang="en-US" smtClean="0"/>
-              <a:t>7/3/2023</a:t>
+              <a:t>7/5/2023</a:t>
             </a:fld>
             <a:endParaRPr lang="en-US"/>
           </a:p>
@@ -1158,7 +1187,7 @@
           <a:p>
             <a:fld id="{5E8FFF51-1F21-4021-8F6D-94DA76CCD317}" type="datetimeFigureOut">
               <a:rPr lang="en-US" smtClean="0"/>
-              <a:t>7/3/2023</a:t>
+              <a:t>7/5/2023</a:t>
             </a:fld>
             <a:endParaRPr lang="en-US"/>
           </a:p>
@@ -1423,7 +1452,7 @@
           <a:p>
             <a:fld id="{5E8FFF51-1F21-4021-8F6D-94DA76CCD317}" type="datetimeFigureOut">
               <a:rPr lang="en-US" smtClean="0"/>
-              <a:t>7/3/2023</a:t>
+              <a:t>7/5/2023</a:t>
             </a:fld>
             <a:endParaRPr lang="en-US"/>
           </a:p>
@@ -1835,7 +1864,7 @@
           <a:p>
             <a:fld id="{5E8FFF51-1F21-4021-8F6D-94DA76CCD317}" type="datetimeFigureOut">
               <a:rPr lang="en-US" smtClean="0"/>
-              <a:t>7/3/2023</a:t>
+              <a:t>7/5/2023</a:t>
             </a:fld>
             <a:endParaRPr lang="en-US"/>
           </a:p>
@@ -1976,7 +2005,7 @@
           <a:p>
             <a:fld id="{5E8FFF51-1F21-4021-8F6D-94DA76CCD317}" type="datetimeFigureOut">
               <a:rPr lang="en-US" smtClean="0"/>
-              <a:t>7/3/2023</a:t>
+              <a:t>7/5/2023</a:t>
             </a:fld>
             <a:endParaRPr lang="en-US"/>
           </a:p>
@@ -2089,7 +2118,7 @@
           <a:p>
             <a:fld id="{5E8FFF51-1F21-4021-8F6D-94DA76CCD317}" type="datetimeFigureOut">
               <a:rPr lang="en-US" smtClean="0"/>
-              <a:t>7/3/2023</a:t>
+              <a:t>7/5/2023</a:t>
             </a:fld>
             <a:endParaRPr lang="en-US"/>
           </a:p>
@@ -2400,7 +2429,7 @@
           <a:p>
             <a:fld id="{5E8FFF51-1F21-4021-8F6D-94DA76CCD317}" type="datetimeFigureOut">
               <a:rPr lang="en-US" smtClean="0"/>
-              <a:t>7/3/2023</a:t>
+              <a:t>7/5/2023</a:t>
             </a:fld>
             <a:endParaRPr lang="en-US"/>
           </a:p>
@@ -2688,7 +2717,7 @@
           <a:p>
             <a:fld id="{5E8FFF51-1F21-4021-8F6D-94DA76CCD317}" type="datetimeFigureOut">
               <a:rPr lang="en-US" smtClean="0"/>
-              <a:t>7/3/2023</a:t>
+              <a:t>7/5/2023</a:t>
             </a:fld>
             <a:endParaRPr lang="en-US"/>
           </a:p>
@@ -2929,7 +2958,7 @@
           <a:p>
             <a:fld id="{5E8FFF51-1F21-4021-8F6D-94DA76CCD317}" type="datetimeFigureOut">
               <a:rPr lang="en-US" smtClean="0"/>
-              <a:t>7/3/2023</a:t>
+              <a:t>7/5/2023</a:t>
             </a:fld>
             <a:endParaRPr lang="en-US"/>
           </a:p>
@@ -3460,7 +3489,12 @@
             <p:ph type="title"/>
           </p:nvPr>
         </p:nvSpPr>
-        <p:spPr/>
+        <p:spPr>
+          <a:xfrm>
+            <a:off x="838200" y="217211"/>
+            <a:ext cx="10515600" cy="891154"/>
+          </a:xfrm>
+        </p:spPr>
         <p:txBody>
           <a:bodyPr/>
           <a:lstStyle/>
@@ -3472,34 +3506,38 @@
           </a:p>
         </p:txBody>
       </p:sp>
-      <p:sp>
-        <p:nvSpPr>
-          <p:cNvPr id="3" name="Content Placeholder 2">
-            <a:extLst>
-              <a:ext uri="{FF2B5EF4-FFF2-40B4-BE49-F238E27FC236}">
-                <a16:creationId xmlns:a16="http://schemas.microsoft.com/office/drawing/2014/main" id="{FA623263-D6DA-39AF-DEBD-9FA0418E7475}"/>
-              </a:ext>
-            </a:extLst>
-          </p:cNvPr>
-          <p:cNvSpPr>
-            <a:spLocks noGrp="1"/>
-          </p:cNvSpPr>
+      <p:pic>
+        <p:nvPicPr>
+          <p:cNvPr id="5" name="Content Placeholder 4">
+            <a:extLst>
+              <a:ext uri="{FF2B5EF4-FFF2-40B4-BE49-F238E27FC236}">
+                <a16:creationId xmlns:a16="http://schemas.microsoft.com/office/drawing/2014/main" id="{51769933-50BB-2646-2E29-E5F54DF05778}"/>
+              </a:ext>
+            </a:extLst>
+          </p:cNvPr>
+          <p:cNvPicPr>
+            <a:picLocks noGrp="1" noChangeAspect="1"/>
+          </p:cNvPicPr>
           <p:nvPr>
             <p:ph idx="1"/>
           </p:nvPr>
-        </p:nvSpPr>
-        <p:spPr/>
-        <p:txBody>
-          <a:bodyPr/>
-          <a:lstStyle/>
-          <a:p>
-            <a:r>
-              <a:rPr lang="en-US" dirty="0"/>
-              <a:t>[MORE SCREENSHOT]</a:t>
-            </a:r>
-          </a:p>
-        </p:txBody>
-      </p:sp>
+        </p:nvPicPr>
+        <p:blipFill>
+          <a:blip r:embed="rId2"/>
+          <a:stretch>
+            <a:fillRect/>
+          </a:stretch>
+        </p:blipFill>
+        <p:spPr>
+          <a:xfrm>
+            <a:off x="2309091" y="1399362"/>
+            <a:ext cx="7121235" cy="4892902"/>
+          </a:xfrm>
+          <a:prstGeom prst="rect">
+            <a:avLst/>
+          </a:prstGeom>
+        </p:spPr>
+      </p:pic>
     </p:spTree>
     <p:extLst>
       <p:ext uri="{BB962C8B-B14F-4D97-AF65-F5344CB8AC3E}">
@@ -3587,7 +3625,7 @@
           <a:p>
             <a:r>
               <a:rPr lang="en-US" dirty="0"/>
-              <a:t>There is no null. </a:t>
+              <a:t>There is no meaningful representation of null. </a:t>
             </a:r>
           </a:p>
           <a:p>
@@ -3759,9 +3797,16 @@
             <p:ph type="title"/>
           </p:nvPr>
         </p:nvSpPr>
-        <p:spPr/>
-        <p:txBody>
-          <a:bodyPr/>
+        <p:spPr>
+          <a:xfrm>
+            <a:off x="838200" y="365126"/>
+            <a:ext cx="10515600" cy="687820"/>
+          </a:xfrm>
+        </p:spPr>
+        <p:txBody>
+          <a:bodyPr>
+            <a:normAutofit fontScale="90000"/>
+          </a:bodyPr>
           <a:lstStyle/>
           <a:p>
             <a:r>
@@ -3787,15 +3832,138 @@
             <p:ph idx="1"/>
           </p:nvPr>
         </p:nvSpPr>
-        <p:spPr/>
-        <p:txBody>
-          <a:bodyPr/>
-          <a:lstStyle/>
-          <a:p>
-            <a:endParaRPr lang="en-US"/>
-          </a:p>
-        </p:txBody>
-      </p:sp>
+        <p:spPr>
+          <a:xfrm>
+            <a:off x="838200" y="1052946"/>
+            <a:ext cx="3816927" cy="5124017"/>
+          </a:xfrm>
+        </p:spPr>
+        <p:txBody>
+          <a:bodyPr/>
+          <a:lstStyle/>
+          <a:p>
+            <a:pPr marL="0" indent="0">
+              <a:buNone/>
+            </a:pPr>
+            <a:r>
+              <a:rPr lang="en-US" dirty="0"/>
+              <a:t>Parent component</a:t>
+            </a:r>
+          </a:p>
+          <a:p>
+            <a:pPr marL="0" indent="0">
+              <a:buNone/>
+            </a:pPr>
+            <a:endParaRPr lang="en-US" dirty="0"/>
+          </a:p>
+        </p:txBody>
+      </p:sp>
+      <p:pic>
+        <p:nvPicPr>
+          <p:cNvPr id="5" name="Picture 4">
+            <a:extLst>
+              <a:ext uri="{FF2B5EF4-FFF2-40B4-BE49-F238E27FC236}">
+                <a16:creationId xmlns:a16="http://schemas.microsoft.com/office/drawing/2014/main" id="{E879C253-F34F-F56B-0755-8F4B1886EAA9}"/>
+              </a:ext>
+            </a:extLst>
+          </p:cNvPr>
+          <p:cNvPicPr>
+            <a:picLocks noChangeAspect="1"/>
+          </p:cNvPicPr>
+          <p:nvPr/>
+        </p:nvPicPr>
+        <p:blipFill>
+          <a:blip r:embed="rId2"/>
+          <a:stretch>
+            <a:fillRect/>
+          </a:stretch>
+        </p:blipFill>
+        <p:spPr>
+          <a:xfrm>
+            <a:off x="838200" y="1592865"/>
+            <a:ext cx="3820058" cy="1695687"/>
+          </a:xfrm>
+          <a:prstGeom prst="rect">
+            <a:avLst/>
+          </a:prstGeom>
+        </p:spPr>
+      </p:pic>
+      <p:sp>
+        <p:nvSpPr>
+          <p:cNvPr id="6" name="TextBox 5">
+            <a:extLst>
+              <a:ext uri="{FF2B5EF4-FFF2-40B4-BE49-F238E27FC236}">
+                <a16:creationId xmlns:a16="http://schemas.microsoft.com/office/drawing/2014/main" id="{58A7A436-19E5-CAB2-E9A0-672C3E4E294D}"/>
+              </a:ext>
+            </a:extLst>
+          </p:cNvPr>
+          <p:cNvSpPr txBox="1"/>
+          <p:nvPr/>
+        </p:nvSpPr>
+        <p:spPr>
+          <a:xfrm>
+            <a:off x="5796840" y="1052155"/>
+            <a:ext cx="4693920" cy="800219"/>
+          </a:xfrm>
+          <a:prstGeom prst="rect">
+            <a:avLst/>
+          </a:prstGeom>
+          <a:noFill/>
+        </p:spPr>
+        <p:txBody>
+          <a:bodyPr wrap="square" rtlCol="0">
+            <a:spAutoFit/>
+          </a:bodyPr>
+          <a:lstStyle/>
+          <a:p>
+            <a:r>
+              <a:rPr lang="en-US" sz="2800" dirty="0"/>
+              <a:t>Child</a:t>
+            </a:r>
+            <a:r>
+              <a:rPr lang="en-US" dirty="0"/>
+              <a:t> </a:t>
+            </a:r>
+            <a:r>
+              <a:rPr lang="en-US" sz="2800" dirty="0"/>
+              <a:t>Component</a:t>
+            </a:r>
+          </a:p>
+          <a:p>
+            <a:endParaRPr lang="en-US" dirty="0"/>
+          </a:p>
+        </p:txBody>
+      </p:sp>
+      <p:pic>
+        <p:nvPicPr>
+          <p:cNvPr id="8" name="Picture 7">
+            <a:extLst>
+              <a:ext uri="{FF2B5EF4-FFF2-40B4-BE49-F238E27FC236}">
+                <a16:creationId xmlns:a16="http://schemas.microsoft.com/office/drawing/2014/main" id="{3B3C47BA-4ACA-0C0B-DE48-964A64059B8A}"/>
+              </a:ext>
+            </a:extLst>
+          </p:cNvPr>
+          <p:cNvPicPr>
+            <a:picLocks noChangeAspect="1"/>
+          </p:cNvPicPr>
+          <p:nvPr/>
+        </p:nvPicPr>
+        <p:blipFill>
+          <a:blip r:embed="rId3"/>
+          <a:stretch>
+            <a:fillRect/>
+          </a:stretch>
+        </p:blipFill>
+        <p:spPr>
+          <a:xfrm>
+            <a:off x="5877802" y="1592865"/>
+            <a:ext cx="4982270" cy="3486637"/>
+          </a:xfrm>
+          <a:prstGeom prst="rect">
+            <a:avLst/>
+          </a:prstGeom>
+        </p:spPr>
+      </p:pic>
     </p:spTree>
     <p:extLst>
       <p:ext uri="{BB962C8B-B14F-4D97-AF65-F5344CB8AC3E}">
@@ -3925,7 +4093,12 @@
             <p:ph type="title"/>
           </p:nvPr>
         </p:nvSpPr>
-        <p:spPr/>
+        <p:spPr>
+          <a:xfrm>
+            <a:off x="838200" y="365126"/>
+            <a:ext cx="10515600" cy="1007654"/>
+          </a:xfrm>
+        </p:spPr>
         <p:txBody>
           <a:bodyPr/>
           <a:lstStyle/>
@@ -3953,7 +4126,12 @@
             <p:ph idx="1"/>
           </p:nvPr>
         </p:nvSpPr>
-        <p:spPr/>
+        <p:spPr>
+          <a:xfrm>
+            <a:off x="838200" y="1253331"/>
+            <a:ext cx="10515600" cy="4351338"/>
+          </a:xfrm>
+        </p:spPr>
         <p:txBody>
           <a:bodyPr/>
           <a:lstStyle/>
@@ -3963,17 +4141,138 @@
               <a:t>One of the ways of passing data between components</a:t>
             </a:r>
           </a:p>
-          <a:p>
-            <a:pPr marL="0" indent="0">
-              <a:buNone/>
-            </a:pPr>
-            <a:r>
-              <a:rPr lang="en-US" dirty="0"/>
-              <a:t>[SCREENSHOT]</a:t>
-            </a:r>
-          </a:p>
-        </p:txBody>
-      </p:sp>
+        </p:txBody>
+      </p:sp>
+      <p:sp>
+        <p:nvSpPr>
+          <p:cNvPr id="4" name="TextBox 3">
+            <a:extLst>
+              <a:ext uri="{FF2B5EF4-FFF2-40B4-BE49-F238E27FC236}">
+                <a16:creationId xmlns:a16="http://schemas.microsoft.com/office/drawing/2014/main" id="{08C5FC1B-4836-F3EC-02BA-A9496135AB80}"/>
+              </a:ext>
+            </a:extLst>
+          </p:cNvPr>
+          <p:cNvSpPr txBox="1"/>
+          <p:nvPr/>
+        </p:nvSpPr>
+        <p:spPr>
+          <a:xfrm>
+            <a:off x="914400" y="1674972"/>
+            <a:ext cx="3640183" cy="523220"/>
+          </a:xfrm>
+          <a:prstGeom prst="rect">
+            <a:avLst/>
+          </a:prstGeom>
+          <a:noFill/>
+        </p:spPr>
+        <p:txBody>
+          <a:bodyPr wrap="square" rtlCol="0">
+            <a:spAutoFit/>
+          </a:bodyPr>
+          <a:lstStyle/>
+          <a:p>
+            <a:r>
+              <a:rPr lang="en-US" sz="2800" dirty="0"/>
+              <a:t>Parent component</a:t>
+            </a:r>
+          </a:p>
+        </p:txBody>
+      </p:sp>
+      <p:pic>
+        <p:nvPicPr>
+          <p:cNvPr id="6" name="Picture 5">
+            <a:extLst>
+              <a:ext uri="{FF2B5EF4-FFF2-40B4-BE49-F238E27FC236}">
+                <a16:creationId xmlns:a16="http://schemas.microsoft.com/office/drawing/2014/main" id="{F583F303-EBED-8C35-C612-FF0CC4D4CA90}"/>
+              </a:ext>
+            </a:extLst>
+          </p:cNvPr>
+          <p:cNvPicPr>
+            <a:picLocks noChangeAspect="1"/>
+          </p:cNvPicPr>
+          <p:nvPr/>
+        </p:nvPicPr>
+        <p:blipFill>
+          <a:blip r:embed="rId2"/>
+          <a:stretch>
+            <a:fillRect/>
+          </a:stretch>
+        </p:blipFill>
+        <p:spPr>
+          <a:xfrm>
+            <a:off x="914400" y="2198192"/>
+            <a:ext cx="4401164" cy="1514686"/>
+          </a:xfrm>
+          <a:prstGeom prst="rect">
+            <a:avLst/>
+          </a:prstGeom>
+        </p:spPr>
+      </p:pic>
+      <p:sp>
+        <p:nvSpPr>
+          <p:cNvPr id="7" name="TextBox 6">
+            <a:extLst>
+              <a:ext uri="{FF2B5EF4-FFF2-40B4-BE49-F238E27FC236}">
+                <a16:creationId xmlns:a16="http://schemas.microsoft.com/office/drawing/2014/main" id="{AB2928D6-476C-287C-7659-3B0E26CA6B84}"/>
+              </a:ext>
+            </a:extLst>
+          </p:cNvPr>
+          <p:cNvSpPr txBox="1"/>
+          <p:nvPr/>
+        </p:nvSpPr>
+        <p:spPr>
+          <a:xfrm>
+            <a:off x="6093892" y="1674972"/>
+            <a:ext cx="3640183" cy="523220"/>
+          </a:xfrm>
+          <a:prstGeom prst="rect">
+            <a:avLst/>
+          </a:prstGeom>
+          <a:noFill/>
+        </p:spPr>
+        <p:txBody>
+          <a:bodyPr wrap="square" rtlCol="0">
+            <a:spAutoFit/>
+          </a:bodyPr>
+          <a:lstStyle/>
+          <a:p>
+            <a:r>
+              <a:rPr lang="en-US" sz="2800" dirty="0"/>
+              <a:t>Child component</a:t>
+            </a:r>
+          </a:p>
+        </p:txBody>
+      </p:sp>
+      <p:pic>
+        <p:nvPicPr>
+          <p:cNvPr id="9" name="Picture 8">
+            <a:extLst>
+              <a:ext uri="{FF2B5EF4-FFF2-40B4-BE49-F238E27FC236}">
+                <a16:creationId xmlns:a16="http://schemas.microsoft.com/office/drawing/2014/main" id="{D02DAB9E-4EFD-5D30-5EA9-7C2E1211F5CD}"/>
+              </a:ext>
+            </a:extLst>
+          </p:cNvPr>
+          <p:cNvPicPr>
+            <a:picLocks noChangeAspect="1"/>
+          </p:cNvPicPr>
+          <p:nvPr/>
+        </p:nvPicPr>
+        <p:blipFill>
+          <a:blip r:embed="rId3"/>
+          <a:stretch>
+            <a:fillRect/>
+          </a:stretch>
+        </p:blipFill>
+        <p:spPr>
+          <a:xfrm>
+            <a:off x="6093892" y="2198192"/>
+            <a:ext cx="4334480" cy="1600423"/>
+          </a:xfrm>
+          <a:prstGeom prst="rect">
+            <a:avLst/>
+          </a:prstGeom>
+        </p:spPr>
+      </p:pic>
     </p:spTree>
     <p:extLst>
       <p:ext uri="{BB962C8B-B14F-4D97-AF65-F5344CB8AC3E}">
@@ -4317,47 +4616,153 @@
             <p:ph type="title"/>
           </p:nvPr>
         </p:nvSpPr>
-        <p:spPr/>
+        <p:spPr>
+          <a:xfrm>
+            <a:off x="838200" y="269331"/>
+            <a:ext cx="10515600" cy="1325563"/>
+          </a:xfrm>
+        </p:spPr>
         <p:txBody>
           <a:bodyPr/>
           <a:lstStyle/>
           <a:p>
             <a:r>
               <a:rPr lang="en-AU" dirty="0"/>
-              <a:t>Sample Cascading parameter </a:t>
-            </a:r>
-            <a:r>
-              <a:rPr lang="en-AU"/>
-              <a:t>and value</a:t>
-            </a:r>
-          </a:p>
-        </p:txBody>
-      </p:sp>
-      <p:sp>
-        <p:nvSpPr>
-          <p:cNvPr id="3" name="Content Placeholder 2">
-            <a:extLst>
-              <a:ext uri="{FF2B5EF4-FFF2-40B4-BE49-F238E27FC236}">
-                <a16:creationId xmlns:a16="http://schemas.microsoft.com/office/drawing/2014/main" id="{A265E30A-1E43-6B83-ABAB-56DB3B80F7E3}"/>
-              </a:ext>
-            </a:extLst>
-          </p:cNvPr>
-          <p:cNvSpPr>
-            <a:spLocks noGrp="1"/>
-          </p:cNvSpPr>
-          <p:nvPr>
-            <p:ph idx="1"/>
-          </p:nvPr>
-        </p:nvSpPr>
-        <p:spPr/>
-        <p:txBody>
-          <a:bodyPr/>
-          <a:lstStyle/>
-          <a:p>
-            <a:endParaRPr lang="en-AU"/>
-          </a:p>
-        </p:txBody>
-      </p:sp>
+              <a:t>Sample Cascading parameter and value</a:t>
+            </a:r>
+          </a:p>
+        </p:txBody>
+      </p:sp>
+      <p:sp>
+        <p:nvSpPr>
+          <p:cNvPr id="4" name="TextBox 3">
+            <a:extLst>
+              <a:ext uri="{FF2B5EF4-FFF2-40B4-BE49-F238E27FC236}">
+                <a16:creationId xmlns:a16="http://schemas.microsoft.com/office/drawing/2014/main" id="{D4361507-F57F-9CB4-0D82-A17B1A9747B0}"/>
+              </a:ext>
+            </a:extLst>
+          </p:cNvPr>
+          <p:cNvSpPr txBox="1"/>
+          <p:nvPr/>
+        </p:nvSpPr>
+        <p:spPr>
+          <a:xfrm>
+            <a:off x="957943" y="1314994"/>
+            <a:ext cx="3831771" cy="523220"/>
+          </a:xfrm>
+          <a:prstGeom prst="rect">
+            <a:avLst/>
+          </a:prstGeom>
+          <a:noFill/>
+        </p:spPr>
+        <p:txBody>
+          <a:bodyPr wrap="square" rtlCol="0">
+            <a:spAutoFit/>
+          </a:bodyPr>
+          <a:lstStyle/>
+          <a:p>
+            <a:r>
+              <a:rPr lang="en-US" sz="2800" dirty="0"/>
+              <a:t>Parent component</a:t>
+            </a:r>
+          </a:p>
+        </p:txBody>
+      </p:sp>
+      <p:pic>
+        <p:nvPicPr>
+          <p:cNvPr id="6" name="Picture 5">
+            <a:extLst>
+              <a:ext uri="{FF2B5EF4-FFF2-40B4-BE49-F238E27FC236}">
+                <a16:creationId xmlns:a16="http://schemas.microsoft.com/office/drawing/2014/main" id="{6733DC94-1718-8876-D4D2-3DA348142CE3}"/>
+              </a:ext>
+            </a:extLst>
+          </p:cNvPr>
+          <p:cNvPicPr>
+            <a:picLocks noChangeAspect="1"/>
+          </p:cNvPicPr>
+          <p:nvPr/>
+        </p:nvPicPr>
+        <p:blipFill>
+          <a:blip r:embed="rId2"/>
+          <a:stretch>
+            <a:fillRect/>
+          </a:stretch>
+        </p:blipFill>
+        <p:spPr>
+          <a:xfrm>
+            <a:off x="957943" y="1905738"/>
+            <a:ext cx="3943900" cy="4363059"/>
+          </a:xfrm>
+          <a:prstGeom prst="rect">
+            <a:avLst/>
+          </a:prstGeom>
+        </p:spPr>
+      </p:pic>
+      <p:sp>
+        <p:nvSpPr>
+          <p:cNvPr id="7" name="TextBox 6">
+            <a:extLst>
+              <a:ext uri="{FF2B5EF4-FFF2-40B4-BE49-F238E27FC236}">
+                <a16:creationId xmlns:a16="http://schemas.microsoft.com/office/drawing/2014/main" id="{030F4118-776E-911B-ABED-18B868C0F385}"/>
+              </a:ext>
+            </a:extLst>
+          </p:cNvPr>
+          <p:cNvSpPr txBox="1"/>
+          <p:nvPr/>
+        </p:nvSpPr>
+        <p:spPr>
+          <a:xfrm>
+            <a:off x="5867070" y="1314994"/>
+            <a:ext cx="3831771" cy="523220"/>
+          </a:xfrm>
+          <a:prstGeom prst="rect">
+            <a:avLst/>
+          </a:prstGeom>
+          <a:noFill/>
+        </p:spPr>
+        <p:txBody>
+          <a:bodyPr wrap="square" rtlCol="0">
+            <a:spAutoFit/>
+          </a:bodyPr>
+          <a:lstStyle/>
+          <a:p>
+            <a:r>
+              <a:rPr lang="en-US" sz="2800" dirty="0"/>
+              <a:t>Child component</a:t>
+            </a:r>
+          </a:p>
+        </p:txBody>
+      </p:sp>
+      <p:pic>
+        <p:nvPicPr>
+          <p:cNvPr id="9" name="Picture 8">
+            <a:extLst>
+              <a:ext uri="{FF2B5EF4-FFF2-40B4-BE49-F238E27FC236}">
+                <a16:creationId xmlns:a16="http://schemas.microsoft.com/office/drawing/2014/main" id="{B1D3DCF5-A41A-8399-2A31-B8E09D1B1E72}"/>
+              </a:ext>
+            </a:extLst>
+          </p:cNvPr>
+          <p:cNvPicPr>
+            <a:picLocks noChangeAspect="1"/>
+          </p:cNvPicPr>
+          <p:nvPr/>
+        </p:nvPicPr>
+        <p:blipFill>
+          <a:blip r:embed="rId3"/>
+          <a:stretch>
+            <a:fillRect/>
+          </a:stretch>
+        </p:blipFill>
+        <p:spPr>
+          <a:xfrm>
+            <a:off x="5867070" y="1905738"/>
+            <a:ext cx="4391638" cy="2333951"/>
+          </a:xfrm>
+          <a:prstGeom prst="rect">
+            <a:avLst/>
+          </a:prstGeom>
+        </p:spPr>
+      </p:pic>
     </p:spTree>
     <p:extLst>
       <p:ext uri="{BB962C8B-B14F-4D97-AF65-F5344CB8AC3E}">
@@ -4888,34 +5293,38 @@
           </a:p>
         </p:txBody>
       </p:sp>
-      <p:sp>
-        <p:nvSpPr>
-          <p:cNvPr id="3" name="Content Placeholder 2">
-            <a:extLst>
-              <a:ext uri="{FF2B5EF4-FFF2-40B4-BE49-F238E27FC236}">
-                <a16:creationId xmlns:a16="http://schemas.microsoft.com/office/drawing/2014/main" id="{7F57621A-1072-4188-2EDA-EB3D3FA9A405}"/>
-              </a:ext>
-            </a:extLst>
-          </p:cNvPr>
-          <p:cNvSpPr>
-            <a:spLocks noGrp="1"/>
-          </p:cNvSpPr>
+      <p:pic>
+        <p:nvPicPr>
+          <p:cNvPr id="5" name="Content Placeholder 4">
+            <a:extLst>
+              <a:ext uri="{FF2B5EF4-FFF2-40B4-BE49-F238E27FC236}">
+                <a16:creationId xmlns:a16="http://schemas.microsoft.com/office/drawing/2014/main" id="{1AFE0574-B1A2-43CD-6E68-60CA57BF1106}"/>
+              </a:ext>
+            </a:extLst>
+          </p:cNvPr>
+          <p:cNvPicPr>
+            <a:picLocks noGrp="1" noChangeAspect="1"/>
+          </p:cNvPicPr>
           <p:nvPr>
             <p:ph idx="1"/>
           </p:nvPr>
-        </p:nvSpPr>
-        <p:spPr/>
-        <p:txBody>
-          <a:bodyPr/>
-          <a:lstStyle/>
-          <a:p>
-            <a:r>
-              <a:rPr lang="en-US" dirty="0"/>
-              <a:t>[INSERT SCREENSHOT HERE]</a:t>
-            </a:r>
-          </a:p>
-        </p:txBody>
-      </p:sp>
+        </p:nvPicPr>
+        <p:blipFill>
+          <a:blip r:embed="rId2"/>
+          <a:stretch>
+            <a:fillRect/>
+          </a:stretch>
+        </p:blipFill>
+        <p:spPr>
+          <a:xfrm>
+            <a:off x="960508" y="1930400"/>
+            <a:ext cx="9659539" cy="2247919"/>
+          </a:xfrm>
+          <a:prstGeom prst="rect">
+            <a:avLst/>
+          </a:prstGeom>
+        </p:spPr>
+      </p:pic>
     </p:spTree>
     <p:extLst>
       <p:ext uri="{BB962C8B-B14F-4D97-AF65-F5344CB8AC3E}">
@@ -4974,34 +5383,38 @@
           </a:p>
         </p:txBody>
       </p:sp>
-      <p:sp>
-        <p:nvSpPr>
-          <p:cNvPr id="3" name="Content Placeholder 2">
-            <a:extLst>
-              <a:ext uri="{FF2B5EF4-FFF2-40B4-BE49-F238E27FC236}">
-                <a16:creationId xmlns:a16="http://schemas.microsoft.com/office/drawing/2014/main" id="{CFC9A190-CA6C-4932-FD54-A905ADFC0BE0}"/>
-              </a:ext>
-            </a:extLst>
-          </p:cNvPr>
-          <p:cNvSpPr>
-            <a:spLocks noGrp="1"/>
-          </p:cNvSpPr>
+      <p:pic>
+        <p:nvPicPr>
+          <p:cNvPr id="5" name="Content Placeholder 4">
+            <a:extLst>
+              <a:ext uri="{FF2B5EF4-FFF2-40B4-BE49-F238E27FC236}">
+                <a16:creationId xmlns:a16="http://schemas.microsoft.com/office/drawing/2014/main" id="{7D07D386-AA05-075B-E325-9BF097489576}"/>
+              </a:ext>
+            </a:extLst>
+          </p:cNvPr>
+          <p:cNvPicPr>
+            <a:picLocks noGrp="1" noChangeAspect="1"/>
+          </p:cNvPicPr>
           <p:nvPr>
             <p:ph idx="1"/>
           </p:nvPr>
-        </p:nvSpPr>
-        <p:spPr/>
-        <p:txBody>
-          <a:bodyPr/>
-          <a:lstStyle/>
-          <a:p>
-            <a:r>
-              <a:rPr lang="en-US" dirty="0"/>
-              <a:t>[SCREENSHOT]</a:t>
-            </a:r>
-          </a:p>
-        </p:txBody>
-      </p:sp>
+        </p:nvPicPr>
+        <p:blipFill>
+          <a:blip r:embed="rId2"/>
+          <a:stretch>
+            <a:fillRect/>
+          </a:stretch>
+        </p:blipFill>
+        <p:spPr>
+          <a:xfrm>
+            <a:off x="1090571" y="1764145"/>
+            <a:ext cx="10113821" cy="3001819"/>
+          </a:xfrm>
+          <a:prstGeom prst="rect">
+            <a:avLst/>
+          </a:prstGeom>
+        </p:spPr>
+      </p:pic>
     </p:spTree>
     <p:extLst>
       <p:ext uri="{BB962C8B-B14F-4D97-AF65-F5344CB8AC3E}">
@@ -5180,7 +5593,12 @@
             <p:ph idx="1"/>
           </p:nvPr>
         </p:nvSpPr>
-        <p:spPr/>
+        <p:spPr>
+          <a:xfrm>
+            <a:off x="838200" y="1690688"/>
+            <a:ext cx="10515600" cy="4486275"/>
+          </a:xfrm>
+        </p:spPr>
         <p:txBody>
           <a:bodyPr/>
           <a:lstStyle/>
@@ -5209,7 +5627,16 @@
           <a:p>
             <a:r>
               <a:rPr lang="en-US" dirty="0"/>
-              <a:t>For other datatype, use a custom get and set accessor </a:t>
+              <a:t>For other datatype, use a custom get and set accessor</a:t>
+            </a:r>
+          </a:p>
+          <a:p>
+            <a:pPr marL="0" indent="0">
+              <a:buNone/>
+            </a:pPr>
+            <a:r>
+              <a:rPr lang="en-US" dirty="0"/>
+              <a:t> </a:t>
             </a:r>
           </a:p>
           <a:p>
@@ -5217,6 +5644,36 @@
           </a:p>
         </p:txBody>
       </p:sp>
+      <p:pic>
+        <p:nvPicPr>
+          <p:cNvPr id="5" name="Picture 4">
+            <a:extLst>
+              <a:ext uri="{FF2B5EF4-FFF2-40B4-BE49-F238E27FC236}">
+                <a16:creationId xmlns:a16="http://schemas.microsoft.com/office/drawing/2014/main" id="{3F15B1B7-D6A9-C1FE-2F01-1AE62FEF5775}"/>
+              </a:ext>
+            </a:extLst>
+          </p:cNvPr>
+          <p:cNvPicPr>
+            <a:picLocks noChangeAspect="1"/>
+          </p:cNvPicPr>
+          <p:nvPr/>
+        </p:nvPicPr>
+        <p:blipFill>
+          <a:blip r:embed="rId2"/>
+          <a:stretch>
+            <a:fillRect/>
+          </a:stretch>
+        </p:blipFill>
+        <p:spPr>
+          <a:xfrm>
+            <a:off x="2376966" y="3151818"/>
+            <a:ext cx="7082971" cy="3025145"/>
+          </a:xfrm>
+          <a:prstGeom prst="rect">
+            <a:avLst/>
+          </a:prstGeom>
+        </p:spPr>
+      </p:pic>
     </p:spTree>
     <p:extLst>
       <p:ext uri="{BB962C8B-B14F-4D97-AF65-F5344CB8AC3E}">
@@ -5263,7 +5720,12 @@
             <p:ph type="title"/>
           </p:nvPr>
         </p:nvSpPr>
-        <p:spPr/>
+        <p:spPr>
+          <a:xfrm>
+            <a:off x="838200" y="226579"/>
+            <a:ext cx="10515600" cy="1011093"/>
+          </a:xfrm>
+        </p:spPr>
         <p:txBody>
           <a:bodyPr/>
           <a:lstStyle/>
@@ -5275,31 +5737,38 @@
           </a:p>
         </p:txBody>
       </p:sp>
-      <p:sp>
-        <p:nvSpPr>
-          <p:cNvPr id="3" name="Content Placeholder 2">
-            <a:extLst>
-              <a:ext uri="{FF2B5EF4-FFF2-40B4-BE49-F238E27FC236}">
-                <a16:creationId xmlns:a16="http://schemas.microsoft.com/office/drawing/2014/main" id="{44A58DC5-F880-A51E-EF8A-1454E2A89FE0}"/>
-              </a:ext>
-            </a:extLst>
-          </p:cNvPr>
-          <p:cNvSpPr>
-            <a:spLocks noGrp="1"/>
-          </p:cNvSpPr>
+      <p:pic>
+        <p:nvPicPr>
+          <p:cNvPr id="5" name="Content Placeholder 4">
+            <a:extLst>
+              <a:ext uri="{FF2B5EF4-FFF2-40B4-BE49-F238E27FC236}">
+                <a16:creationId xmlns:a16="http://schemas.microsoft.com/office/drawing/2014/main" id="{A62A9E85-4629-05FC-D892-4D0078E31050}"/>
+              </a:ext>
+            </a:extLst>
+          </p:cNvPr>
+          <p:cNvPicPr>
+            <a:picLocks noGrp="1" noChangeAspect="1"/>
+          </p:cNvPicPr>
           <p:nvPr>
             <p:ph idx="1"/>
           </p:nvPr>
-        </p:nvSpPr>
-        <p:spPr/>
-        <p:txBody>
-          <a:bodyPr/>
-          <a:lstStyle/>
-          <a:p>
-            <a:endParaRPr lang="en-US"/>
-          </a:p>
-        </p:txBody>
-      </p:sp>
+        </p:nvPicPr>
+        <p:blipFill>
+          <a:blip r:embed="rId2"/>
+          <a:stretch>
+            <a:fillRect/>
+          </a:stretch>
+        </p:blipFill>
+        <p:spPr>
+          <a:xfrm>
+            <a:off x="2045854" y="1314222"/>
+            <a:ext cx="8100291" cy="4984795"/>
+          </a:xfrm>
+          <a:prstGeom prst="rect">
+            <a:avLst/>
+          </a:prstGeom>
+        </p:spPr>
+      </p:pic>
     </p:spTree>
     <p:extLst>
       <p:ext uri="{BB962C8B-B14F-4D97-AF65-F5344CB8AC3E}">
